--- a/trabajo_individual2/Presentación_Trabajo_Individual.pptx
+++ b/trabajo_individual2/Presentación_Trabajo_Individual.pptx
@@ -211,7 +211,7 @@
           <a:p>
             <a:fld id="{C40AE0C0-63AB-438A-AAE5-4BEE5084D9B0}" type="datetimeFigureOut">
               <a:rPr lang="en-US" smtClean="0"/>
-              <a:t>12/9/2024</a:t>
+              <a:t>12/10/2024</a:t>
             </a:fld>
             <a:endParaRPr lang="en-US"/>
           </a:p>
@@ -14328,7 +14328,7 @@
                 <a:cs typeface="Century Gothic"/>
                 <a:sym typeface="Century Gothic"/>
               </a:rPr>
-              <a:t>08 de octubre 2024, LIMA – PERÚ</a:t>
+              <a:t>10 de diciembre 2024, LIMA – PERÚ</a:t>
             </a:r>
             <a:endParaRPr sz="700" kern="0" dirty="0">
               <a:solidFill>
@@ -18854,8 +18854,8 @@
           </a:ln>
         </p:spPr>
       </p:cxnSp>
-      <mc:AlternateContent xmlns:mc="http://schemas.openxmlformats.org/markup-compatibility/2006">
-        <mc:Choice xmlns:a14="http://schemas.microsoft.com/office/drawing/2010/main" Requires="a14">
+      <mc:AlternateContent xmlns:mc="http://schemas.openxmlformats.org/markup-compatibility/2006" xmlns:a14="http://schemas.microsoft.com/office/drawing/2010/main">
+        <mc:Choice Requires="a14">
           <p:sp>
             <p:nvSpPr>
               <p:cNvPr id="10" name="CuadroTexto 9">
@@ -19884,7 +19884,7 @@
             </p:txBody>
           </p:sp>
         </mc:Choice>
-        <mc:Fallback>
+        <mc:Fallback xmlns="">
           <p:sp>
             <p:nvSpPr>
               <p:cNvPr id="10" name="CuadroTexto 9">
@@ -24284,8 +24284,8 @@
           </a:p>
         </p:txBody>
       </p:sp>
-      <mc:AlternateContent xmlns:mc="http://schemas.openxmlformats.org/markup-compatibility/2006">
-        <mc:Choice xmlns:a14="http://schemas.microsoft.com/office/drawing/2010/main" Requires="a14">
+      <mc:AlternateContent xmlns:mc="http://schemas.openxmlformats.org/markup-compatibility/2006" xmlns:a14="http://schemas.microsoft.com/office/drawing/2010/main">
+        <mc:Choice Requires="a14">
           <p:sp>
             <p:nvSpPr>
               <p:cNvPr id="12" name="CuadroTexto 11">
@@ -24941,7 +24941,7 @@
             </p:txBody>
           </p:sp>
         </mc:Choice>
-        <mc:Fallback>
+        <mc:Fallback xmlns="">
           <p:sp>
             <p:nvSpPr>
               <p:cNvPr id="12" name="CuadroTexto 11">
